--- a/Resources/ConsumingRustBite1.pptx
+++ b/Resources/ConsumingRustBite1.pptx
@@ -3409,7 +3409,7 @@
             </a:br>
             <a:r>
               <a:rPr lang="en-US" sz="4000" dirty="0"/>
-              <a:t>Part 1 - Data</a:t>
+              <a:t>Bite 1 - Data</a:t>
             </a:r>
             <a:endParaRPr lang="en-US" dirty="0"/>
           </a:p>
@@ -3707,7 +3707,7 @@
             <a:pPr algn="l"/>
             <a:r>
               <a:rPr lang="en-US" dirty="0"/>
-              <a:t>Bite #2 covers data ownership, taking us into the core of what makes Rust the language that it is.</a:t>
+              <a:t>Bite #2 illustrates undefined behavior with C++ code, showing us why we need Rust.</a:t>
             </a:r>
           </a:p>
         </p:txBody>
@@ -4817,41 +4817,6 @@
       </p:sp>
       <p:pic>
         <p:nvPicPr>
-          <p:cNvPr id="5" name="Content Placeholder 4" descr="A screenshot of a cell phone&#10;&#10;Description automatically generated">
-            <a:extLst>
-              <a:ext uri="{FF2B5EF4-FFF2-40B4-BE49-F238E27FC236}">
-                <a16:creationId xmlns:a16="http://schemas.microsoft.com/office/drawing/2014/main" id="{8D4D2D88-8800-44EA-9070-21F256F1500C}"/>
-              </a:ext>
-            </a:extLst>
-          </p:cNvPr>
-          <p:cNvPicPr>
-            <a:picLocks noGrp="1" noChangeAspect="1"/>
-          </p:cNvPicPr>
-          <p:nvPr>
-            <p:ph idx="1"/>
-          </p:nvPr>
-        </p:nvPicPr>
-        <p:blipFill>
-          <a:blip r:embed="rId2">
-            <a:extLst>
-              <a:ext uri="{28A0092B-C50C-407E-A947-70E740481C1C}">
-                <a14:useLocalDpi xmlns:a14="http://schemas.microsoft.com/office/drawing/2010/main" val="0"/>
-              </a:ext>
-            </a:extLst>
-          </a:blip>
-          <a:stretch>
-            <a:fillRect/>
-          </a:stretch>
-        </p:blipFill>
-        <p:spPr>
-          <a:xfrm>
-            <a:off x="7337650" y="444754"/>
-            <a:ext cx="3898450" cy="2788801"/>
-          </a:xfrm>
-        </p:spPr>
-      </p:pic>
-      <p:pic>
-        <p:nvPicPr>
           <p:cNvPr id="7" name="Picture 6" descr="A screenshot of a cell phone&#10;&#10;Description automatically generated">
             <a:extLst>
               <a:ext uri="{FF2B5EF4-FFF2-40B4-BE49-F238E27FC236}">
@@ -4865,7 +4830,7 @@
           <p:nvPr/>
         </p:nvPicPr>
         <p:blipFill>
-          <a:blip r:embed="rId3">
+          <a:blip r:embed="rId2">
             <a:extLst>
               <a:ext uri="{28A0092B-C50C-407E-A947-70E740481C1C}">
                 <a14:useLocalDpi xmlns:a14="http://schemas.microsoft.com/office/drawing/2010/main" val="0"/>
@@ -5018,6 +4983,127 @@
             <a:r>
               <a:rPr lang="en-US" sz="2400" dirty="0"/>
               <a:t>Clone copies resources to the target.</a:t>
+            </a:r>
+          </a:p>
+        </p:txBody>
+      </p:sp>
+      <p:pic>
+        <p:nvPicPr>
+          <p:cNvPr id="9" name="Content Placeholder 8" descr="A screenshot of a cell phone&#10;&#10;Description automatically generated">
+            <a:extLst>
+              <a:ext uri="{FF2B5EF4-FFF2-40B4-BE49-F238E27FC236}">
+                <a16:creationId xmlns:a16="http://schemas.microsoft.com/office/drawing/2014/main" id="{B6FD3C6D-99D5-4250-AD79-D1606D05C338}"/>
+              </a:ext>
+            </a:extLst>
+          </p:cNvPr>
+          <p:cNvPicPr>
+            <a:picLocks noGrp="1" noChangeAspect="1"/>
+          </p:cNvPicPr>
+          <p:nvPr>
+            <p:ph idx="1"/>
+          </p:nvPr>
+        </p:nvPicPr>
+        <p:blipFill>
+          <a:blip r:embed="rId3">
+            <a:extLst>
+              <a:ext uri="{28A0092B-C50C-407E-A947-70E740481C1C}">
+                <a14:useLocalDpi xmlns:a14="http://schemas.microsoft.com/office/drawing/2010/main" val="0"/>
+              </a:ext>
+            </a:extLst>
+          </a:blip>
+          <a:stretch>
+            <a:fillRect/>
+          </a:stretch>
+        </p:blipFill>
+        <p:spPr>
+          <a:xfrm>
+            <a:off x="7022032" y="354179"/>
+            <a:ext cx="4260967" cy="2959004"/>
+          </a:xfrm>
+        </p:spPr>
+      </p:pic>
+      <p:sp>
+        <p:nvSpPr>
+          <p:cNvPr id="11" name="TextBox 10">
+            <a:extLst>
+              <a:ext uri="{FF2B5EF4-FFF2-40B4-BE49-F238E27FC236}">
+                <a16:creationId xmlns:a16="http://schemas.microsoft.com/office/drawing/2014/main" id="{21B45595-CCBB-477A-A699-B260A46CAB43}"/>
+              </a:ext>
+            </a:extLst>
+          </p:cNvPr>
+          <p:cNvSpPr txBox="1"/>
+          <p:nvPr/>
+        </p:nvSpPr>
+        <p:spPr>
+          <a:xfrm>
+            <a:off x="10383559" y="2197016"/>
+            <a:ext cx="970241" cy="369332"/>
+          </a:xfrm>
+          <a:prstGeom prst="rect">
+            <a:avLst/>
+          </a:prstGeom>
+          <a:solidFill>
+            <a:schemeClr val="bg1"/>
+          </a:solidFill>
+          <a:ln w="12700">
+            <a:solidFill>
+              <a:schemeClr val="tx1"/>
+            </a:solidFill>
+          </a:ln>
+        </p:spPr>
+        <p:txBody>
+          <a:bodyPr wrap="square" rtlCol="0">
+            <a:spAutoFit/>
+          </a:bodyPr>
+          <a:lstStyle/>
+          <a:p>
+            <a:pPr algn="ctr"/>
+            <a:r>
+              <a:rPr lang="en-US" dirty="0"/>
+              <a:t>Move</a:t>
+            </a:r>
+          </a:p>
+        </p:txBody>
+      </p:sp>
+      <p:sp>
+        <p:nvSpPr>
+          <p:cNvPr id="12" name="TextBox 11">
+            <a:extLst>
+              <a:ext uri="{FF2B5EF4-FFF2-40B4-BE49-F238E27FC236}">
+                <a16:creationId xmlns:a16="http://schemas.microsoft.com/office/drawing/2014/main" id="{4DE9586C-5DDB-4EBD-9AED-D4DCC5CEC8A6}"/>
+              </a:ext>
+            </a:extLst>
+          </p:cNvPr>
+          <p:cNvSpPr txBox="1"/>
+          <p:nvPr/>
+        </p:nvSpPr>
+        <p:spPr>
+          <a:xfrm>
+            <a:off x="10383559" y="5176185"/>
+            <a:ext cx="970241" cy="369332"/>
+          </a:xfrm>
+          <a:prstGeom prst="rect">
+            <a:avLst/>
+          </a:prstGeom>
+          <a:solidFill>
+            <a:schemeClr val="bg1"/>
+          </a:solidFill>
+          <a:ln w="12700">
+            <a:solidFill>
+              <a:schemeClr val="tx1"/>
+            </a:solidFill>
+          </a:ln>
+        </p:spPr>
+        <p:txBody>
+          <a:bodyPr wrap="square" rtlCol="0">
+            <a:spAutoFit/>
+          </a:bodyPr>
+          <a:lstStyle/>
+          <a:p>
+            <a:pPr algn="ctr"/>
+            <a:r>
+              <a:rPr lang="en-US" dirty="0"/>
+              <a:t>Clone</a:t>
             </a:r>
           </a:p>
         </p:txBody>

--- a/Resources/ConsumingRustBite1.pptx
+++ b/Resources/ConsumingRustBite1.pptx
@@ -4579,8 +4579,13 @@
             <a:pPr lvl="1"/>
             <a:r>
               <a:rPr lang="en-US" dirty="0"/>
-              <a:t>There are rules about ownership that we discuss in Bite #2.</a:t>
-            </a:r>
+              <a:t>There are rules about ownership that we discuss in </a:t>
+            </a:r>
+            <a:r>
+              <a:rPr lang="en-US"/>
+              <a:t>Bite #3.</a:t>
+            </a:r>
+            <a:endParaRPr lang="en-US" dirty="0"/>
           </a:p>
           <a:p>
             <a:pPr lvl="1"/>

--- a/Resources/ConsumingRustBite1.pptx
+++ b/Resources/ConsumingRustBite1.pptx
@@ -15,7 +15,8 @@
     <p:sldId id="263" r:id="rId9"/>
     <p:sldId id="261" r:id="rId10"/>
     <p:sldId id="266" r:id="rId11"/>
-    <p:sldId id="265" r:id="rId12"/>
+    <p:sldId id="267" r:id="rId12"/>
+    <p:sldId id="265" r:id="rId13"/>
   </p:sldIdLst>
   <p:sldSz cx="12192000" cy="6858000"/>
   <p:notesSz cx="6858000" cy="9144000"/>
@@ -277,7 +278,7 @@
           <a:p>
             <a:fld id="{0EFE2675-32ED-497E-A2F7-9E43B37B7B14}" type="datetimeFigureOut">
               <a:rPr lang="en-US" smtClean="0"/>
-              <a:t>5/28/2020</a:t>
+              <a:t>5/29/2020</a:t>
             </a:fld>
             <a:endParaRPr lang="en-US"/>
           </a:p>
@@ -475,7 +476,7 @@
           <a:p>
             <a:fld id="{0EFE2675-32ED-497E-A2F7-9E43B37B7B14}" type="datetimeFigureOut">
               <a:rPr lang="en-US" smtClean="0"/>
-              <a:t>5/28/2020</a:t>
+              <a:t>5/29/2020</a:t>
             </a:fld>
             <a:endParaRPr lang="en-US"/>
           </a:p>
@@ -683,7 +684,7 @@
           <a:p>
             <a:fld id="{0EFE2675-32ED-497E-A2F7-9E43B37B7B14}" type="datetimeFigureOut">
               <a:rPr lang="en-US" smtClean="0"/>
-              <a:t>5/28/2020</a:t>
+              <a:t>5/29/2020</a:t>
             </a:fld>
             <a:endParaRPr lang="en-US"/>
           </a:p>
@@ -891,7 +892,7 @@
           <a:p>
             <a:fld id="{0EFE2675-32ED-497E-A2F7-9E43B37B7B14}" type="datetimeFigureOut">
               <a:rPr lang="en-US" smtClean="0"/>
-              <a:t>5/28/2020</a:t>
+              <a:t>5/29/2020</a:t>
             </a:fld>
             <a:endParaRPr lang="en-US"/>
           </a:p>
@@ -1166,7 +1167,7 @@
           <a:p>
             <a:fld id="{0EFE2675-32ED-497E-A2F7-9E43B37B7B14}" type="datetimeFigureOut">
               <a:rPr lang="en-US" smtClean="0"/>
-              <a:t>5/28/2020</a:t>
+              <a:t>5/29/2020</a:t>
             </a:fld>
             <a:endParaRPr lang="en-US"/>
           </a:p>
@@ -1436,7 +1437,7 @@
           <a:p>
             <a:fld id="{0EFE2675-32ED-497E-A2F7-9E43B37B7B14}" type="datetimeFigureOut">
               <a:rPr lang="en-US" smtClean="0"/>
-              <a:t>5/28/2020</a:t>
+              <a:t>5/29/2020</a:t>
             </a:fld>
             <a:endParaRPr lang="en-US"/>
           </a:p>
@@ -1848,7 +1849,7 @@
           <a:p>
             <a:fld id="{0EFE2675-32ED-497E-A2F7-9E43B37B7B14}" type="datetimeFigureOut">
               <a:rPr lang="en-US" smtClean="0"/>
-              <a:t>5/28/2020</a:t>
+              <a:t>5/29/2020</a:t>
             </a:fld>
             <a:endParaRPr lang="en-US"/>
           </a:p>
@@ -1994,7 +1995,7 @@
           <a:p>
             <a:fld id="{0EFE2675-32ED-497E-A2F7-9E43B37B7B14}" type="datetimeFigureOut">
               <a:rPr lang="en-US" smtClean="0"/>
-              <a:t>5/28/2020</a:t>
+              <a:t>5/29/2020</a:t>
             </a:fld>
             <a:endParaRPr lang="en-US"/>
           </a:p>
@@ -2107,7 +2108,7 @@
           <a:p>
             <a:fld id="{0EFE2675-32ED-497E-A2F7-9E43B37B7B14}" type="datetimeFigureOut">
               <a:rPr lang="en-US" smtClean="0"/>
-              <a:t>5/28/2020</a:t>
+              <a:t>5/29/2020</a:t>
             </a:fld>
             <a:endParaRPr lang="en-US"/>
           </a:p>
@@ -2418,7 +2419,7 @@
           <a:p>
             <a:fld id="{0EFE2675-32ED-497E-A2F7-9E43B37B7B14}" type="datetimeFigureOut">
               <a:rPr lang="en-US" smtClean="0"/>
-              <a:t>5/28/2020</a:t>
+              <a:t>5/29/2020</a:t>
             </a:fld>
             <a:endParaRPr lang="en-US"/>
           </a:p>
@@ -2706,7 +2707,7 @@
           <a:p>
             <a:fld id="{0EFE2675-32ED-497E-A2F7-9E43B37B7B14}" type="datetimeFigureOut">
               <a:rPr lang="en-US" smtClean="0"/>
-              <a:t>5/28/2020</a:t>
+              <a:t>5/29/2020</a:t>
             </a:fld>
             <a:endParaRPr lang="en-US"/>
           </a:p>
@@ -2947,7 +2948,7 @@
           <a:p>
             <a:fld id="{0EFE2675-32ED-497E-A2F7-9E43B37B7B14}" type="datetimeFigureOut">
               <a:rPr lang="en-US" smtClean="0"/>
-              <a:t>5/28/2020</a:t>
+              <a:t>5/29/2020</a:t>
             </a:fld>
             <a:endParaRPr lang="en-US"/>
           </a:p>
@@ -3383,7 +3384,7 @@
         <p:spPr>
           <a:xfrm>
             <a:off x="1524000" y="762581"/>
-            <a:ext cx="9144000" cy="2806021"/>
+            <a:ext cx="9144000" cy="2666419"/>
           </a:xfrm>
         </p:spPr>
         <p:txBody>
@@ -3391,27 +3392,23 @@
           <a:lstStyle/>
           <a:p>
             <a:r>
-              <a:rPr lang="en-US" sz="5400" dirty="0"/>
-              <a:t>Consuming Rust</a:t>
+              <a:rPr lang="en-US" sz="4000" dirty="0"/>
+              <a:t>Consuming Rust bite by byte</a:t>
             </a:r>
             <a:br>
-              <a:rPr lang="en-US" sz="5400" dirty="0"/>
-            </a:br>
-            <a:r>
-              <a:rPr lang="en-US" sz="5400" dirty="0"/>
-              <a:t>bite by byte</a:t>
-            </a:r>
-            <a:br>
-              <a:rPr lang="en-US" sz="5400" dirty="0"/>
+              <a:rPr lang="en-US" sz="4000" dirty="0"/>
             </a:br>
             <a:br>
               <a:rPr lang="en-US" sz="3200" dirty="0"/>
             </a:br>
-            <a:r>
-              <a:rPr lang="en-US" sz="4000" dirty="0"/>
+            <a:br>
+              <a:rPr lang="en-US" sz="3200" dirty="0"/>
+            </a:br>
+            <a:r>
+              <a:rPr lang="en-US" sz="4800" b="1" dirty="0"/>
               <a:t>Bite 1 - Data</a:t>
             </a:r>
-            <a:endParaRPr lang="en-US" dirty="0"/>
+            <a:endParaRPr lang="en-US" b="1" dirty="0"/>
           </a:p>
         </p:txBody>
       </p:sp>
@@ -3604,7 +3601,7 @@
             </a:r>
             <a:r>
               <a:rPr lang="en-US" dirty="0"/>
-              <a:t>, and </a:t>
+              <a:t>, </a:t>
             </a:r>
             <a:r>
               <a:rPr lang="en-US" dirty="0" err="1"/>
@@ -3612,7 +3609,7 @@
             </a:r>
             <a:r>
               <a:rPr lang="en-US" dirty="0"/>
-              <a:t> are non-blittable.</a:t>
+              <a:t>, and Maps are non-blittable.</a:t>
             </a:r>
           </a:p>
           <a:p>
@@ -3652,6 +3649,250 @@
       </p:grpSpPr>
       <p:sp>
         <p:nvSpPr>
+          <p:cNvPr id="2" name="Title 1">
+            <a:extLst>
+              <a:ext uri="{FF2B5EF4-FFF2-40B4-BE49-F238E27FC236}">
+                <a16:creationId xmlns:a16="http://schemas.microsoft.com/office/drawing/2014/main" id="{58AC9723-8DE0-4A3D-B6AD-724FC3DCD5C8}"/>
+              </a:ext>
+            </a:extLst>
+          </p:cNvPr>
+          <p:cNvSpPr>
+            <a:spLocks noGrp="1"/>
+          </p:cNvSpPr>
+          <p:nvPr>
+            <p:ph type="title"/>
+          </p:nvPr>
+        </p:nvSpPr>
+        <p:spPr/>
+        <p:txBody>
+          <a:bodyPr/>
+          <a:lstStyle/>
+          <a:p>
+            <a:r>
+              <a:rPr lang="en-US" dirty="0"/>
+              <a:t>References</a:t>
+            </a:r>
+          </a:p>
+        </p:txBody>
+      </p:sp>
+      <p:graphicFrame>
+        <p:nvGraphicFramePr>
+          <p:cNvPr id="4" name="Table 4">
+            <a:extLst>
+              <a:ext uri="{FF2B5EF4-FFF2-40B4-BE49-F238E27FC236}">
+                <a16:creationId xmlns:a16="http://schemas.microsoft.com/office/drawing/2014/main" id="{F49941E0-322C-467C-89AB-4BD24B25EC7D}"/>
+              </a:ext>
+            </a:extLst>
+          </p:cNvPr>
+          <p:cNvGraphicFramePr>
+            <a:graphicFrameLocks noGrp="1"/>
+          </p:cNvGraphicFramePr>
+          <p:nvPr>
+            <p:ph idx="1"/>
+            <p:extLst>
+              <p:ext uri="{D42A27DB-BD31-4B8C-83A1-F6EECF244321}">
+                <p14:modId xmlns:p14="http://schemas.microsoft.com/office/powerpoint/2010/main" val="1681421273"/>
+              </p:ext>
+            </p:extLst>
+          </p:nvPr>
+        </p:nvGraphicFramePr>
+        <p:xfrm>
+          <a:off x="838200" y="1341438"/>
+          <a:ext cx="10515600" cy="1483360"/>
+        </p:xfrm>
+        <a:graphic>
+          <a:graphicData uri="http://schemas.openxmlformats.org/drawingml/2006/table">
+            <a:tbl>
+              <a:tblPr firstRow="1" bandRow="1">
+                <a:tableStyleId>{F5AB1C69-6EDB-4FF4-983F-18BD219EF322}</a:tableStyleId>
+              </a:tblPr>
+              <a:tblGrid>
+                <a:gridCol w="3831522">
+                  <a:extLst>
+                    <a:ext uri="{9D8B030D-6E8A-4147-A177-3AD203B41FA5}">
+                      <a16:colId xmlns:a16="http://schemas.microsoft.com/office/drawing/2014/main" val="129708743"/>
+                    </a:ext>
+                  </a:extLst>
+                </a:gridCol>
+                <a:gridCol w="6684078">
+                  <a:extLst>
+                    <a:ext uri="{9D8B030D-6E8A-4147-A177-3AD203B41FA5}">
+                      <a16:colId xmlns:a16="http://schemas.microsoft.com/office/drawing/2014/main" val="2429944823"/>
+                    </a:ext>
+                  </a:extLst>
+                </a:gridCol>
+              </a:tblGrid>
+              <a:tr h="370840">
+                <a:tc>
+                  <a:txBody>
+                    <a:bodyPr/>
+                    <a:lstStyle/>
+                    <a:p>
+                      <a:r>
+                        <a:rPr lang="en-US" dirty="0"/>
+                        <a:t>Link</a:t>
+                      </a:r>
+                    </a:p>
+                  </a:txBody>
+                  <a:tcPr/>
+                </a:tc>
+                <a:tc>
+                  <a:txBody>
+                    <a:bodyPr/>
+                    <a:lstStyle/>
+                    <a:p>
+                      <a:r>
+                        <a:rPr lang="en-US" dirty="0"/>
+                        <a:t>Description</a:t>
+                      </a:r>
+                    </a:p>
+                  </a:txBody>
+                  <a:tcPr/>
+                </a:tc>
+                <a:extLst>
+                  <a:ext uri="{0D108BD9-81ED-4DB2-BD59-A6C34878D82A}">
+                    <a16:rowId xmlns:a16="http://schemas.microsoft.com/office/drawing/2014/main" val="3197276564"/>
+                  </a:ext>
+                </a:extLst>
+              </a:tr>
+              <a:tr h="370840">
+                <a:tc>
+                  <a:txBody>
+                    <a:bodyPr/>
+                    <a:lstStyle/>
+                    <a:p>
+                      <a:r>
+                        <a:rPr lang="en-US" dirty="0">
+                          <a:hlinkClick r:id="rId2" action="ppaction://hlinkfile"/>
+                        </a:rPr>
+                        <a:t>ConsumingRustBite2</a:t>
+                      </a:r>
+                      <a:r>
+                        <a:rPr lang="en-US" dirty="0"/>
+                        <a:t> - UDB</a:t>
+                      </a:r>
+                    </a:p>
+                  </a:txBody>
+                  <a:tcPr/>
+                </a:tc>
+                <a:tc>
+                  <a:txBody>
+                    <a:bodyPr/>
+                    <a:lstStyle/>
+                    <a:p>
+                      <a:r>
+                        <a:rPr lang="en-US" dirty="0"/>
+                        <a:t>Undefined behavior – example from C++ code</a:t>
+                      </a:r>
+                    </a:p>
+                  </a:txBody>
+                  <a:tcPr/>
+                </a:tc>
+                <a:extLst>
+                  <a:ext uri="{0D108BD9-81ED-4DB2-BD59-A6C34878D82A}">
+                    <a16:rowId xmlns:a16="http://schemas.microsoft.com/office/drawing/2014/main" val="1548045816"/>
+                  </a:ext>
+                </a:extLst>
+              </a:tr>
+              <a:tr h="370840">
+                <a:tc>
+                  <a:txBody>
+                    <a:bodyPr/>
+                    <a:lstStyle/>
+                    <a:p>
+                      <a:r>
+                        <a:rPr lang="en-US" dirty="0">
+                          <a:hlinkClick r:id="rId3"/>
+                        </a:rPr>
+                        <a:t>Rust Story - Data</a:t>
+                      </a:r>
+                      <a:endParaRPr lang="en-US" dirty="0"/>
+                    </a:p>
+                  </a:txBody>
+                  <a:tcPr/>
+                </a:tc>
+                <a:tc>
+                  <a:txBody>
+                    <a:bodyPr/>
+                    <a:lstStyle/>
+                    <a:p>
+                      <a:r>
+                        <a:rPr lang="en-US" dirty="0"/>
+                        <a:t>Expanded discussion in Rust Story</a:t>
+                      </a:r>
+                    </a:p>
+                  </a:txBody>
+                  <a:tcPr/>
+                </a:tc>
+                <a:extLst>
+                  <a:ext uri="{0D108BD9-81ED-4DB2-BD59-A6C34878D82A}">
+                    <a16:rowId xmlns:a16="http://schemas.microsoft.com/office/drawing/2014/main" val="2828727795"/>
+                  </a:ext>
+                </a:extLst>
+              </a:tr>
+              <a:tr h="370840">
+                <a:tc>
+                  <a:txBody>
+                    <a:bodyPr/>
+                    <a:lstStyle/>
+                    <a:p>
+                      <a:endParaRPr lang="en-US"/>
+                    </a:p>
+                  </a:txBody>
+                  <a:tcPr/>
+                </a:tc>
+                <a:tc>
+                  <a:txBody>
+                    <a:bodyPr/>
+                    <a:lstStyle/>
+                    <a:p>
+                      <a:endParaRPr lang="en-US" dirty="0"/>
+                    </a:p>
+                  </a:txBody>
+                  <a:tcPr/>
+                </a:tc>
+                <a:extLst>
+                  <a:ext uri="{0D108BD9-81ED-4DB2-BD59-A6C34878D82A}">
+                    <a16:rowId xmlns:a16="http://schemas.microsoft.com/office/drawing/2014/main" val="863928394"/>
+                  </a:ext>
+                </a:extLst>
+              </a:tr>
+            </a:tbl>
+          </a:graphicData>
+        </a:graphic>
+      </p:graphicFrame>
+    </p:spTree>
+    <p:extLst>
+      <p:ext uri="{BB962C8B-B14F-4D97-AF65-F5344CB8AC3E}">
+        <p14:creationId xmlns:p14="http://schemas.microsoft.com/office/powerpoint/2010/main" val="1851004617"/>
+      </p:ext>
+    </p:extLst>
+  </p:cSld>
+  <p:clrMapOvr>
+    <a:masterClrMapping/>
+  </p:clrMapOvr>
+</p:sld>
+</file>
+
+<file path=ppt/slides/slide12.xml><?xml version="1.0" encoding="utf-8"?>
+<p:sld xmlns:a="http://schemas.openxmlformats.org/drawingml/2006/main" xmlns:r="http://schemas.openxmlformats.org/officeDocument/2006/relationships" xmlns:p="http://schemas.openxmlformats.org/presentationml/2006/main">
+  <p:cSld>
+    <p:spTree>
+      <p:nvGrpSpPr>
+        <p:cNvPr id="1" name=""/>
+        <p:cNvGrpSpPr/>
+        <p:nvPr/>
+      </p:nvGrpSpPr>
+      <p:grpSpPr>
+        <a:xfrm>
+          <a:off x="0" y="0"/>
+          <a:ext cx="0" cy="0"/>
+          <a:chOff x="0" y="0"/>
+          <a:chExt cx="0" cy="0"/>
+        </a:xfrm>
+      </p:grpSpPr>
+      <p:sp>
+        <p:nvSpPr>
           <p:cNvPr id="4" name="Title 3">
             <a:extLst>
               <a:ext uri="{FF2B5EF4-FFF2-40B4-BE49-F238E27FC236}">
@@ -3941,8 +4182,12 @@
           <a:p>
             <a:r>
               <a:rPr lang="en-US" dirty="0"/>
-              <a:t>This is the first in a series of brief presentations about the Rust programming language:</a:t>
-            </a:r>
+              <a:t>This is the first in a series of bites - brief presentations - about the Rust programming language:</a:t>
+            </a:r>
+            <a:br>
+              <a:rPr lang="en-US" dirty="0"/>
+            </a:br>
+            <a:endParaRPr lang="en-US" dirty="0"/>
           </a:p>
           <a:p>
             <a:pPr lvl="1"/>
@@ -4050,6 +4295,10 @@
               <a:rPr lang="en-US" dirty="0"/>
               <a:t>Our goal is to understand the terms:</a:t>
             </a:r>
+            <a:br>
+              <a:rPr lang="en-US" dirty="0"/>
+            </a:br>
+            <a:endParaRPr lang="en-US" dirty="0"/>
           </a:p>
           <a:p>
             <a:pPr lvl="1"/>
@@ -4162,7 +4411,7 @@
           <a:p>
             <a:r>
               <a:rPr lang="en-US" dirty="0"/>
-              <a:t>Bind – associating an identifier with a memory location</a:t>
+              <a:t>Bind – associate an identifier with a memory location</a:t>
             </a:r>
           </a:p>
           <a:p>
@@ -4451,7 +4700,7 @@
               <a:rPr lang="en-US" sz="2000" dirty="0">
                 <a:latin typeface="Consolas" panose="020B0609020204030204" pitchFamily="49" charset="0"/>
               </a:rPr>
-              <a:t>Non-blittable types occupy more than one memory location, usually one contiguous block on the stack and possibly one block on the heap.</a:t>
+              <a:t>Non-blittable types occupy more than one memory location, usually one contiguous block on the stack and one or more blocks on the heap.</a:t>
             </a:r>
           </a:p>
           <a:p>
@@ -4560,6 +4809,10 @@
               <a:rPr lang="en-US" dirty="0"/>
               <a:t>Ownership in Rust is an interesting concept.</a:t>
             </a:r>
+            <a:br>
+              <a:rPr lang="en-US" dirty="0"/>
+            </a:br>
+            <a:endParaRPr lang="en-US" dirty="0"/>
           </a:p>
           <a:p>
             <a:pPr lvl="1"/>
@@ -4579,19 +4832,29 @@
             <a:pPr lvl="1"/>
             <a:r>
               <a:rPr lang="en-US" dirty="0"/>
-              <a:t>There are rules about ownership that we discuss in </a:t>
-            </a:r>
-            <a:r>
-              <a:rPr lang="en-US"/>
-              <a:t>Bite #3.</a:t>
-            </a:r>
-            <a:endParaRPr lang="en-US" dirty="0"/>
+              <a:t>There are rules about ownership that we discuss in Bite #3.</a:t>
+            </a:r>
           </a:p>
           <a:p>
             <a:pPr lvl="1"/>
             <a:r>
               <a:rPr lang="en-US" dirty="0"/>
               <a:t>Following Rust’s ownership rules makes Rust code memory-safe.</a:t>
+            </a:r>
+          </a:p>
+          <a:p>
+            <a:pPr lvl="2"/>
+            <a:r>
+              <a:rPr lang="en-US" dirty="0"/>
+              <a:t>Enforced by </a:t>
+            </a:r>
+            <a:r>
+              <a:rPr lang="en-US" dirty="0" err="1"/>
+              <a:t>rustc</a:t>
+            </a:r>
+            <a:r>
+              <a:rPr lang="en-US" dirty="0"/>
+              <a:t>, the Rust compiler</a:t>
             </a:r>
           </a:p>
           <a:p>
@@ -4705,7 +4968,7 @@
             <a:pPr lvl="1"/>
             <a:r>
               <a:rPr lang="en-US" dirty="0"/>
-              <a:t>A trait is, like an interface, a specification of a contract.  Copy contract requires Rust code to copy data with that trait.</a:t>
+              <a:t>A trait is, like an interface, a specification of a contract.  Copy contract requires Rust code, when binding, to copy data with that trait.</a:t>
             </a:r>
             <a:endParaRPr lang="en-US" dirty="0">
               <a:latin typeface="Consolas" panose="020B0609020204030204" pitchFamily="49" charset="0"/>
@@ -4871,7 +5134,7 @@
         <p:spPr>
           <a:xfrm>
             <a:off x="893460" y="1277368"/>
-            <a:ext cx="6326490" cy="4685898"/>
+            <a:ext cx="6326490" cy="4562788"/>
           </a:xfrm>
           <a:prstGeom prst="rect">
             <a:avLst/>
@@ -4987,7 +5250,7 @@
             </a:pPr>
             <a:r>
               <a:rPr lang="en-US" sz="2400" dirty="0"/>
-              <a:t>Clone copies resources to the target.</a:t>
+              <a:t>Clone operation copies resources to target.</a:t>
             </a:r>
           </a:p>
         </p:txBody>

--- a/Resources/ConsumingRustBite1.pptx
+++ b/Resources/ConsumingRustBite1.pptx
@@ -3691,7 +3691,7 @@
             <p:ph idx="1"/>
             <p:extLst>
               <p:ext uri="{D42A27DB-BD31-4B8C-83A1-F6EECF244321}">
-                <p14:modId xmlns:p14="http://schemas.microsoft.com/office/powerpoint/2010/main" val="1681421273"/>
+                <p14:modId xmlns:p14="http://schemas.microsoft.com/office/powerpoint/2010/main" val="1787052860"/>
               </p:ext>
             </p:extLst>
           </p:nvPr>
@@ -3762,15 +3762,16 @@
                     <a:lstStyle/>
                     <a:p>
                       <a:r>
-                        <a:rPr lang="en-US" dirty="0">
-                          <a:hlinkClick r:id="rId2" action="ppaction://hlinkfile"/>
+                        <a:rPr lang="en-US">
+                          <a:hlinkClick r:id="rId2"/>
                         </a:rPr>
-                        <a:t>ConsumingRustBite2</a:t>
+                        <a:t>ConsumingRustBite2 - UDB</a:t>
                       </a:r>
                       <a:r>
-                        <a:rPr lang="en-US" dirty="0"/>
-                        <a:t> - UDB</a:t>
+                        <a:rPr lang="en-US"/>
+                        <a:t> </a:t>
                       </a:r>
+                      <a:endParaRPr lang="en-US" dirty="0"/>
                     </a:p>
                   </a:txBody>
                   <a:tcPr/>

--- a/Resources/ConsumingRustBite1.pptx
+++ b/Resources/ConsumingRustBite1.pptx
@@ -3451,6 +3451,47 @@
           </a:p>
         </p:txBody>
       </p:sp>
+      <p:sp>
+        <p:nvSpPr>
+          <p:cNvPr id="4" name="TextBox 3">
+            <a:extLst>
+              <a:ext uri="{FF2B5EF4-FFF2-40B4-BE49-F238E27FC236}">
+                <a16:creationId xmlns:a16="http://schemas.microsoft.com/office/drawing/2014/main" id="{99CD2AC9-5C0E-45F1-BED3-D16783B15805}"/>
+              </a:ext>
+            </a:extLst>
+          </p:cNvPr>
+          <p:cNvSpPr txBox="1"/>
+          <p:nvPr/>
+        </p:nvSpPr>
+        <p:spPr>
+          <a:xfrm>
+            <a:off x="10456269" y="6093673"/>
+            <a:ext cx="970240" cy="400110"/>
+          </a:xfrm>
+          <a:prstGeom prst="rect">
+            <a:avLst/>
+          </a:prstGeom>
+          <a:noFill/>
+        </p:spPr>
+        <p:txBody>
+          <a:bodyPr wrap="square" rtlCol="0">
+            <a:spAutoFit/>
+          </a:bodyPr>
+          <a:lstStyle/>
+          <a:p>
+            <a:r>
+              <a:rPr lang="en-US" sz="2000" dirty="0">
+                <a:hlinkClick r:id="rId2"/>
+              </a:rPr>
+              <a:t>Bite #2</a:t>
+            </a:r>
+            <a:r>
+              <a:rPr lang="en-US" sz="2000" dirty="0"/>
+              <a:t> </a:t>
+            </a:r>
+          </a:p>
+        </p:txBody>
+      </p:sp>
     </p:spTree>
     <p:extLst>
       <p:ext uri="{BB962C8B-B14F-4D97-AF65-F5344CB8AC3E}">

--- a/Resources/ConsumingRustBite1.pptx
+++ b/Resources/ConsumingRustBite1.pptx
@@ -6,17 +6,18 @@
   </p:sldMasterIdLst>
   <p:sldIdLst>
     <p:sldId id="256" r:id="rId2"/>
-    <p:sldId id="264" r:id="rId3"/>
-    <p:sldId id="257" r:id="rId4"/>
-    <p:sldId id="258" r:id="rId5"/>
+    <p:sldId id="258" r:id="rId3"/>
+    <p:sldId id="264" r:id="rId4"/>
+    <p:sldId id="257" r:id="rId5"/>
     <p:sldId id="259" r:id="rId6"/>
     <p:sldId id="260" r:id="rId7"/>
     <p:sldId id="262" r:id="rId8"/>
-    <p:sldId id="263" r:id="rId9"/>
-    <p:sldId id="261" r:id="rId10"/>
-    <p:sldId id="266" r:id="rId11"/>
-    <p:sldId id="267" r:id="rId12"/>
-    <p:sldId id="265" r:id="rId13"/>
+    <p:sldId id="352" r:id="rId9"/>
+    <p:sldId id="263" r:id="rId10"/>
+    <p:sldId id="261" r:id="rId11"/>
+    <p:sldId id="266" r:id="rId12"/>
+    <p:sldId id="267" r:id="rId13"/>
+    <p:sldId id="265" r:id="rId14"/>
   </p:sldIdLst>
   <p:sldSz cx="12192000" cy="6858000"/>
   <p:notesSz cx="6858000" cy="9144000"/>
@@ -3527,6 +3528,357 @@
           <p:cNvPr id="2" name="Title 1">
             <a:extLst>
               <a:ext uri="{FF2B5EF4-FFF2-40B4-BE49-F238E27FC236}">
+                <a16:creationId xmlns:a16="http://schemas.microsoft.com/office/drawing/2014/main" id="{72D9AD15-3145-48ED-8FFA-201AF201B1C8}"/>
+              </a:ext>
+            </a:extLst>
+          </p:cNvPr>
+          <p:cNvSpPr>
+            <a:spLocks noGrp="1"/>
+          </p:cNvSpPr>
+          <p:nvPr>
+            <p:ph type="title"/>
+          </p:nvPr>
+        </p:nvSpPr>
+        <p:spPr/>
+        <p:txBody>
+          <a:bodyPr/>
+          <a:lstStyle/>
+          <a:p>
+            <a:r>
+              <a:rPr lang="en-US" dirty="0"/>
+              <a:t>Bite #1 – Move and Clone</a:t>
+            </a:r>
+          </a:p>
+        </p:txBody>
+      </p:sp>
+      <p:pic>
+        <p:nvPicPr>
+          <p:cNvPr id="7" name="Picture 6" descr="A screenshot of a cell phone&#10;&#10;Description automatically generated">
+            <a:extLst>
+              <a:ext uri="{FF2B5EF4-FFF2-40B4-BE49-F238E27FC236}">
+                <a16:creationId xmlns:a16="http://schemas.microsoft.com/office/drawing/2014/main" id="{9536CF63-797E-427A-809D-F01E69547F2B}"/>
+              </a:ext>
+            </a:extLst>
+          </p:cNvPr>
+          <p:cNvPicPr>
+            <a:picLocks noChangeAspect="1"/>
+          </p:cNvPicPr>
+          <p:nvPr/>
+        </p:nvPicPr>
+        <p:blipFill>
+          <a:blip r:embed="rId2">
+            <a:extLst>
+              <a:ext uri="{28A0092B-C50C-407E-A947-70E740481C1C}">
+                <a14:useLocalDpi xmlns:a14="http://schemas.microsoft.com/office/drawing/2010/main" val="0"/>
+              </a:ext>
+            </a:extLst>
+          </a:blip>
+          <a:stretch>
+            <a:fillRect/>
+          </a:stretch>
+        </p:blipFill>
+        <p:spPr>
+          <a:xfrm>
+            <a:off x="7290751" y="3313183"/>
+            <a:ext cx="3992248" cy="2860118"/>
+          </a:xfrm>
+          <a:prstGeom prst="rect">
+            <a:avLst/>
+          </a:prstGeom>
+        </p:spPr>
+      </p:pic>
+      <p:sp>
+        <p:nvSpPr>
+          <p:cNvPr id="8" name="TextBox 7">
+            <a:extLst>
+              <a:ext uri="{FF2B5EF4-FFF2-40B4-BE49-F238E27FC236}">
+                <a16:creationId xmlns:a16="http://schemas.microsoft.com/office/drawing/2014/main" id="{6237F669-E42A-487D-8D15-3F3243539AE6}"/>
+              </a:ext>
+            </a:extLst>
+          </p:cNvPr>
+          <p:cNvSpPr txBox="1"/>
+          <p:nvPr/>
+        </p:nvSpPr>
+        <p:spPr>
+          <a:xfrm>
+            <a:off x="893460" y="1277368"/>
+            <a:ext cx="6326490" cy="4562788"/>
+          </a:xfrm>
+          <a:prstGeom prst="rect">
+            <a:avLst/>
+          </a:prstGeom>
+          <a:noFill/>
+        </p:spPr>
+        <p:txBody>
+          <a:bodyPr wrap="square" rtlCol="0">
+            <a:spAutoFit/>
+          </a:bodyPr>
+          <a:lstStyle/>
+          <a:p>
+            <a:pPr marL="342900" indent="-342900">
+              <a:buFont typeface="Arial" panose="020B0604020202020204" pitchFamily="34" charset="0"/>
+              <a:buChar char="•"/>
+            </a:pPr>
+            <a:r>
+              <a:rPr lang="en-US" sz="2400" dirty="0"/>
+              <a:t>A move transfers a Move type’s heap resources to another instance of that type</a:t>
+            </a:r>
+          </a:p>
+          <a:p>
+            <a:pPr marL="800100" lvl="1" indent="-342900">
+              <a:buFont typeface="Arial" panose="020B0604020202020204" pitchFamily="34" charset="0"/>
+              <a:buChar char="•"/>
+            </a:pPr>
+            <a:r>
+              <a:rPr lang="en-US" sz="2400" dirty="0"/>
+              <a:t>The string, s, shown in the top diagram is moved to t with the statement:</a:t>
+            </a:r>
+          </a:p>
+          <a:p>
+            <a:pPr marL="1257300" lvl="2" indent="-342900">
+              <a:buFont typeface="Arial" panose="020B0604020202020204" pitchFamily="34" charset="0"/>
+              <a:buChar char="•"/>
+            </a:pPr>
+            <a:r>
+              <a:rPr lang="en-US" sz="2000" dirty="0">
+                <a:latin typeface="Consolas" panose="020B0609020204030204" pitchFamily="49" charset="0"/>
+              </a:rPr>
+              <a:t>let t = s;</a:t>
+            </a:r>
+          </a:p>
+          <a:p>
+            <a:pPr marL="800100" lvl="1" indent="-342900">
+              <a:buFont typeface="Arial" panose="020B0604020202020204" pitchFamily="34" charset="0"/>
+              <a:buChar char="•"/>
+            </a:pPr>
+            <a:r>
+              <a:rPr lang="en-US" sz="2400" dirty="0"/>
+              <a:t>Move transfers ownership of resources.</a:t>
+            </a:r>
+            <a:br>
+              <a:rPr lang="en-US" sz="2400" dirty="0"/>
+            </a:br>
+            <a:endParaRPr lang="en-US" sz="1050" dirty="0"/>
+          </a:p>
+          <a:p>
+            <a:pPr marL="342900" indent="-342900">
+              <a:buFont typeface="Arial" panose="020B0604020202020204" pitchFamily="34" charset="0"/>
+              <a:buChar char="•"/>
+            </a:pPr>
+            <a:r>
+              <a:rPr lang="en-US" sz="2400" dirty="0"/>
+              <a:t>A clone copies a Move type’s heap resources</a:t>
+            </a:r>
+            <a:br>
+              <a:rPr lang="en-US" sz="2400" dirty="0"/>
+            </a:br>
+            <a:r>
+              <a:rPr lang="en-US" sz="2400" dirty="0"/>
+              <a:t>to a new instance of that type.</a:t>
+            </a:r>
+          </a:p>
+          <a:p>
+            <a:pPr marL="800100" lvl="1" indent="-342900">
+              <a:buFont typeface="Arial" panose="020B0604020202020204" pitchFamily="34" charset="0"/>
+              <a:buChar char="•"/>
+            </a:pPr>
+            <a:r>
+              <a:rPr lang="en-US" sz="2400" dirty="0"/>
+              <a:t>The string s, shown in the bottom diagram is cloned with the statement:</a:t>
+            </a:r>
+          </a:p>
+          <a:p>
+            <a:pPr marL="1257300" lvl="2" indent="-342900">
+              <a:buFont typeface="Arial" panose="020B0604020202020204" pitchFamily="34" charset="0"/>
+              <a:buChar char="•"/>
+            </a:pPr>
+            <a:r>
+              <a:rPr lang="en-US" sz="2000" dirty="0">
+                <a:latin typeface="Consolas" panose="020B0609020204030204" pitchFamily="49" charset="0"/>
+              </a:rPr>
+              <a:t>let t = </a:t>
+            </a:r>
+            <a:r>
+              <a:rPr lang="en-US" sz="2000" dirty="0" err="1">
+                <a:latin typeface="Consolas" panose="020B0609020204030204" pitchFamily="49" charset="0"/>
+              </a:rPr>
+              <a:t>s.clone</a:t>
+            </a:r>
+            <a:r>
+              <a:rPr lang="en-US" sz="2000" dirty="0">
+                <a:latin typeface="Consolas" panose="020B0609020204030204" pitchFamily="49" charset="0"/>
+              </a:rPr>
+              <a:t>();</a:t>
+            </a:r>
+          </a:p>
+          <a:p>
+            <a:pPr marL="800100" lvl="1" indent="-342900">
+              <a:buFont typeface="Arial" panose="020B0604020202020204" pitchFamily="34" charset="0"/>
+              <a:buChar char="•"/>
+            </a:pPr>
+            <a:r>
+              <a:rPr lang="en-US" sz="2400" dirty="0"/>
+              <a:t>Clone operation copies resources to target.</a:t>
+            </a:r>
+          </a:p>
+        </p:txBody>
+      </p:sp>
+      <p:pic>
+        <p:nvPicPr>
+          <p:cNvPr id="9" name="Content Placeholder 8" descr="A screenshot of a cell phone&#10;&#10;Description automatically generated">
+            <a:extLst>
+              <a:ext uri="{FF2B5EF4-FFF2-40B4-BE49-F238E27FC236}">
+                <a16:creationId xmlns:a16="http://schemas.microsoft.com/office/drawing/2014/main" id="{B6FD3C6D-99D5-4250-AD79-D1606D05C338}"/>
+              </a:ext>
+            </a:extLst>
+          </p:cNvPr>
+          <p:cNvPicPr>
+            <a:picLocks noGrp="1" noChangeAspect="1"/>
+          </p:cNvPicPr>
+          <p:nvPr>
+            <p:ph idx="1"/>
+          </p:nvPr>
+        </p:nvPicPr>
+        <p:blipFill>
+          <a:blip r:embed="rId3">
+            <a:extLst>
+              <a:ext uri="{28A0092B-C50C-407E-A947-70E740481C1C}">
+                <a14:useLocalDpi xmlns:a14="http://schemas.microsoft.com/office/drawing/2010/main" val="0"/>
+              </a:ext>
+            </a:extLst>
+          </a:blip>
+          <a:stretch>
+            <a:fillRect/>
+          </a:stretch>
+        </p:blipFill>
+        <p:spPr>
+          <a:xfrm>
+            <a:off x="7022032" y="354179"/>
+            <a:ext cx="4260967" cy="2959004"/>
+          </a:xfrm>
+        </p:spPr>
+      </p:pic>
+      <p:sp>
+        <p:nvSpPr>
+          <p:cNvPr id="11" name="TextBox 10">
+            <a:extLst>
+              <a:ext uri="{FF2B5EF4-FFF2-40B4-BE49-F238E27FC236}">
+                <a16:creationId xmlns:a16="http://schemas.microsoft.com/office/drawing/2014/main" id="{21B45595-CCBB-477A-A699-B260A46CAB43}"/>
+              </a:ext>
+            </a:extLst>
+          </p:cNvPr>
+          <p:cNvSpPr txBox="1"/>
+          <p:nvPr/>
+        </p:nvSpPr>
+        <p:spPr>
+          <a:xfrm>
+            <a:off x="10383559" y="2197016"/>
+            <a:ext cx="970241" cy="369332"/>
+          </a:xfrm>
+          <a:prstGeom prst="rect">
+            <a:avLst/>
+          </a:prstGeom>
+          <a:solidFill>
+            <a:schemeClr val="bg1"/>
+          </a:solidFill>
+          <a:ln w="12700">
+            <a:solidFill>
+              <a:schemeClr val="tx1"/>
+            </a:solidFill>
+          </a:ln>
+        </p:spPr>
+        <p:txBody>
+          <a:bodyPr wrap="square" rtlCol="0">
+            <a:spAutoFit/>
+          </a:bodyPr>
+          <a:lstStyle/>
+          <a:p>
+            <a:pPr algn="ctr"/>
+            <a:r>
+              <a:rPr lang="en-US" dirty="0"/>
+              <a:t>Move</a:t>
+            </a:r>
+          </a:p>
+        </p:txBody>
+      </p:sp>
+      <p:sp>
+        <p:nvSpPr>
+          <p:cNvPr id="12" name="TextBox 11">
+            <a:extLst>
+              <a:ext uri="{FF2B5EF4-FFF2-40B4-BE49-F238E27FC236}">
+                <a16:creationId xmlns:a16="http://schemas.microsoft.com/office/drawing/2014/main" id="{4DE9586C-5DDB-4EBD-9AED-D4DCC5CEC8A6}"/>
+              </a:ext>
+            </a:extLst>
+          </p:cNvPr>
+          <p:cNvSpPr txBox="1"/>
+          <p:nvPr/>
+        </p:nvSpPr>
+        <p:spPr>
+          <a:xfrm>
+            <a:off x="10383559" y="5176185"/>
+            <a:ext cx="970241" cy="369332"/>
+          </a:xfrm>
+          <a:prstGeom prst="rect">
+            <a:avLst/>
+          </a:prstGeom>
+          <a:solidFill>
+            <a:schemeClr val="bg1"/>
+          </a:solidFill>
+          <a:ln w="12700">
+            <a:solidFill>
+              <a:schemeClr val="tx1"/>
+            </a:solidFill>
+          </a:ln>
+        </p:spPr>
+        <p:txBody>
+          <a:bodyPr wrap="square" rtlCol="0">
+            <a:spAutoFit/>
+          </a:bodyPr>
+          <a:lstStyle/>
+          <a:p>
+            <a:pPr algn="ctr"/>
+            <a:r>
+              <a:rPr lang="en-US" dirty="0"/>
+              <a:t>Clone</a:t>
+            </a:r>
+          </a:p>
+        </p:txBody>
+      </p:sp>
+    </p:spTree>
+    <p:extLst>
+      <p:ext uri="{BB962C8B-B14F-4D97-AF65-F5344CB8AC3E}">
+        <p14:creationId xmlns:p14="http://schemas.microsoft.com/office/powerpoint/2010/main" val="3565984247"/>
+      </p:ext>
+    </p:extLst>
+  </p:cSld>
+  <p:clrMapOvr>
+    <a:masterClrMapping/>
+  </p:clrMapOvr>
+</p:sld>
+</file>
+
+<file path=ppt/slides/slide11.xml><?xml version="1.0" encoding="utf-8"?>
+<p:sld xmlns:a="http://schemas.openxmlformats.org/drawingml/2006/main" xmlns:r="http://schemas.openxmlformats.org/officeDocument/2006/relationships" xmlns:p="http://schemas.openxmlformats.org/presentationml/2006/main">
+  <p:cSld>
+    <p:spTree>
+      <p:nvGrpSpPr>
+        <p:cNvPr id="1" name=""/>
+        <p:cNvGrpSpPr/>
+        <p:nvPr/>
+      </p:nvGrpSpPr>
+      <p:grpSpPr>
+        <a:xfrm>
+          <a:off x="0" y="0"/>
+          <a:ext cx="0" cy="0"/>
+          <a:chOff x="0" y="0"/>
+          <a:chExt cx="0" cy="0"/>
+        </a:xfrm>
+      </p:grpSpPr>
+      <p:sp>
+        <p:nvSpPr>
+          <p:cNvPr id="2" name="Title 1">
+            <a:extLst>
+              <a:ext uri="{FF2B5EF4-FFF2-40B4-BE49-F238E27FC236}">
                 <a16:creationId xmlns:a16="http://schemas.microsoft.com/office/drawing/2014/main" id="{7F0CE10D-C01F-4FD4-AFE5-306FB297B9FF}"/>
               </a:ext>
             </a:extLst>
@@ -3671,7 +4023,7 @@
 </p:sld>
 </file>
 
-<file path=ppt/slides/slide11.xml><?xml version="1.0" encoding="utf-8"?>
+<file path=ppt/slides/slide12.xml><?xml version="1.0" encoding="utf-8"?>
 <p:sld xmlns:a="http://schemas.openxmlformats.org/drawingml/2006/main" xmlns:r="http://schemas.openxmlformats.org/officeDocument/2006/relationships" xmlns:p="http://schemas.openxmlformats.org/presentationml/2006/main">
   <p:cSld>
     <p:spTree>
@@ -3916,7 +4268,7 @@
 </p:sld>
 </file>
 
-<file path=ppt/slides/slide12.xml><?xml version="1.0" encoding="utf-8"?>
+<file path=ppt/slides/slide13.xml><?xml version="1.0" encoding="utf-8"?>
 <p:sld xmlns:a="http://schemas.openxmlformats.org/drawingml/2006/main" xmlns:r="http://schemas.openxmlformats.org/officeDocument/2006/relationships" xmlns:p="http://schemas.openxmlformats.org/presentationml/2006/main">
   <p:cSld>
     <p:spTree>
@@ -4030,7 +4382,7 @@
           <p:cNvPr id="2" name="Title 1">
             <a:extLst>
               <a:ext uri="{FF2B5EF4-FFF2-40B4-BE49-F238E27FC236}">
-                <a16:creationId xmlns:a16="http://schemas.microsoft.com/office/drawing/2014/main" id="{BBC66D9E-3830-48C5-8A3A-5B0D4EDF0946}"/>
+                <a16:creationId xmlns:a16="http://schemas.microsoft.com/office/drawing/2014/main" id="{1B3C2E89-4964-4F8B-A474-1925CA7751D2}"/>
               </a:ext>
             </a:extLst>
           </p:cNvPr>
@@ -4041,19 +4393,14 @@
             <p:ph type="title"/>
           </p:nvPr>
         </p:nvSpPr>
-        <p:spPr>
-          <a:xfrm>
-            <a:off x="838200" y="365126"/>
-            <a:ext cx="10515600" cy="563234"/>
-          </a:xfrm>
-        </p:spPr>
-        <p:txBody>
-          <a:bodyPr/>
-          <a:lstStyle/>
-          <a:p>
-            <a:r>
-              <a:rPr lang="en-US" dirty="0"/>
-              <a:t>Why Rust?</a:t>
+        <p:spPr/>
+        <p:txBody>
+          <a:bodyPr/>
+          <a:lstStyle/>
+          <a:p>
+            <a:r>
+              <a:rPr lang="en-US" dirty="0"/>
+              <a:t>Bite #1 – Rust Data</a:t>
             </a:r>
           </a:p>
         </p:txBody>
@@ -4063,7 +4410,7 @@
           <p:cNvPr id="3" name="Content Placeholder 2">
             <a:extLst>
               <a:ext uri="{FF2B5EF4-FFF2-40B4-BE49-F238E27FC236}">
-                <a16:creationId xmlns:a16="http://schemas.microsoft.com/office/drawing/2014/main" id="{646C3297-F1DA-456C-B17B-67AD17832185}"/>
+                <a16:creationId xmlns:a16="http://schemas.microsoft.com/office/drawing/2014/main" id="{404BAA01-8102-4B2E-B20D-F2BDADD7B98B}"/>
               </a:ext>
             </a:extLst>
           </p:cNvPr>
@@ -4074,71 +4421,55 @@
             <p:ph idx="1"/>
           </p:nvPr>
         </p:nvSpPr>
-        <p:spPr>
-          <a:xfrm>
-            <a:off x="838200" y="1186626"/>
-            <a:ext cx="10515600" cy="4990337"/>
-          </a:xfrm>
-        </p:spPr>
-        <p:txBody>
-          <a:bodyPr/>
-          <a:lstStyle/>
-          <a:p>
-            <a:r>
-              <a:rPr lang="en-US" dirty="0"/>
-              <a:t>Memory and Data Race safety</a:t>
-            </a:r>
+        <p:spPr/>
+        <p:txBody>
+          <a:bodyPr/>
+          <a:lstStyle/>
+          <a:p>
+            <a:r>
+              <a:rPr lang="en-US" dirty="0"/>
+              <a:t>Our goal is to understand the terms:</a:t>
+            </a:r>
+            <a:br>
+              <a:rPr lang="en-US" dirty="0"/>
+            </a:br>
+            <a:endParaRPr lang="en-US" dirty="0"/>
           </a:p>
           <a:p>
             <a:pPr lvl="1"/>
             <a:r>
               <a:rPr lang="en-US" dirty="0"/>
-              <a:t>Enforced data ownership rules insure Memory and Data Race safety.</a:t>
-            </a:r>
-          </a:p>
-          <a:p>
-            <a:r>
-              <a:rPr lang="en-US" dirty="0"/>
-              <a:t>Error Handling</a:t>
+              <a:t>Bind – associate an identifier with a value</a:t>
             </a:r>
           </a:p>
           <a:p>
             <a:pPr lvl="1"/>
             <a:r>
               <a:rPr lang="en-US" dirty="0"/>
-              <a:t>Any function that can fail returns a result indicating success or failure.  Code has to handle errors in well defined ways.</a:t>
-            </a:r>
-          </a:p>
-          <a:p>
-            <a:r>
-              <a:rPr lang="en-US" dirty="0"/>
-              <a:t>Performance</a:t>
+              <a:t>Copy – bind to a copy of a Copy type</a:t>
             </a:r>
           </a:p>
           <a:p>
             <a:pPr lvl="1"/>
             <a:r>
               <a:rPr lang="en-US" dirty="0"/>
-              <a:t>Rust compiles to native code and does not need garbage collection, so it is as fast as C and C++.</a:t>
-            </a:r>
-          </a:p>
-          <a:p>
-            <a:r>
-              <a:rPr lang="en-US" dirty="0"/>
-              <a:t>Simple Value Behavior</a:t>
+              <a:t>Move – transfer ownership of a value</a:t>
             </a:r>
           </a:p>
           <a:p>
             <a:pPr lvl="1"/>
             <a:r>
               <a:rPr lang="en-US" dirty="0"/>
-              <a:t>Rust supports value behavior without the need to define copy and move constructors and assignment operators.</a:t>
-            </a:r>
-          </a:p>
-          <a:p>
-            <a:r>
-              <a:rPr lang="en-US" dirty="0"/>
-              <a:t>Extraordinarily effective tool chain</a:t>
+              <a:t>Clone – make a clone of a !Copy type</a:t>
+            </a:r>
+          </a:p>
+          <a:p>
+            <a:endParaRPr lang="en-US" dirty="0"/>
+          </a:p>
+          <a:p>
+            <a:r>
+              <a:rPr lang="en-US" dirty="0"/>
+              <a:t>But first, a message from our sponsor</a:t>
             </a:r>
           </a:p>
         </p:txBody>
@@ -4146,7 +4477,7 @@
     </p:spTree>
     <p:extLst>
       <p:ext uri="{BB962C8B-B14F-4D97-AF65-F5344CB8AC3E}">
-        <p14:creationId xmlns:p14="http://schemas.microsoft.com/office/powerpoint/2010/main" val="3072520656"/>
+        <p14:creationId xmlns:p14="http://schemas.microsoft.com/office/powerpoint/2010/main" val="400171579"/>
       </p:ext>
     </p:extLst>
   </p:cSld>
@@ -4178,7 +4509,7 @@
           <p:cNvPr id="2" name="Title 1">
             <a:extLst>
               <a:ext uri="{FF2B5EF4-FFF2-40B4-BE49-F238E27FC236}">
-                <a16:creationId xmlns:a16="http://schemas.microsoft.com/office/drawing/2014/main" id="{D810D046-8EB3-4CA4-8E59-20F13F3F9D6F}"/>
+                <a16:creationId xmlns:a16="http://schemas.microsoft.com/office/drawing/2014/main" id="{BBC66D9E-3830-48C5-8A3A-5B0D4EDF0946}"/>
               </a:ext>
             </a:extLst>
           </p:cNvPr>
@@ -4189,14 +4520,19 @@
             <p:ph type="title"/>
           </p:nvPr>
         </p:nvSpPr>
-        <p:spPr/>
-        <p:txBody>
-          <a:bodyPr/>
-          <a:lstStyle/>
-          <a:p>
-            <a:r>
-              <a:rPr lang="en-US" dirty="0"/>
-              <a:t>What is this?</a:t>
+        <p:spPr>
+          <a:xfrm>
+            <a:off x="838200" y="365126"/>
+            <a:ext cx="10515600" cy="563234"/>
+          </a:xfrm>
+        </p:spPr>
+        <p:txBody>
+          <a:bodyPr/>
+          <a:lstStyle/>
+          <a:p>
+            <a:r>
+              <a:rPr lang="en-US" dirty="0"/>
+              <a:t>Why Rust?</a:t>
             </a:r>
           </a:p>
         </p:txBody>
@@ -4206,7 +4542,7 @@
           <p:cNvPr id="3" name="Content Placeholder 2">
             <a:extLst>
               <a:ext uri="{FF2B5EF4-FFF2-40B4-BE49-F238E27FC236}">
-                <a16:creationId xmlns:a16="http://schemas.microsoft.com/office/drawing/2014/main" id="{07D17E04-A925-46F7-81D9-E1D3E526719C}"/>
+                <a16:creationId xmlns:a16="http://schemas.microsoft.com/office/drawing/2014/main" id="{646C3297-F1DA-456C-B17B-67AD17832185}"/>
               </a:ext>
             </a:extLst>
           </p:cNvPr>
@@ -4217,39 +4553,71 @@
             <p:ph idx="1"/>
           </p:nvPr>
         </p:nvSpPr>
-        <p:spPr/>
-        <p:txBody>
-          <a:bodyPr/>
-          <a:lstStyle/>
-          <a:p>
-            <a:r>
-              <a:rPr lang="en-US" dirty="0"/>
-              <a:t>This is the first in a series of bites - brief presentations - about the Rust programming language:</a:t>
-            </a:r>
-            <a:br>
-              <a:rPr lang="en-US" dirty="0"/>
-            </a:br>
-            <a:endParaRPr lang="en-US" dirty="0"/>
+        <p:spPr>
+          <a:xfrm>
+            <a:off x="838200" y="1186626"/>
+            <a:ext cx="10515600" cy="4990337"/>
+          </a:xfrm>
+        </p:spPr>
+        <p:txBody>
+          <a:bodyPr/>
+          <a:lstStyle/>
+          <a:p>
+            <a:r>
+              <a:rPr lang="en-US" dirty="0"/>
+              <a:t>Memory and Data Race safety</a:t>
+            </a:r>
           </a:p>
           <a:p>
             <a:pPr lvl="1"/>
             <a:r>
               <a:rPr lang="en-US" dirty="0"/>
-              <a:t>Each presentation will be brief – a few slides</a:t>
+              <a:t>Enforced data ownership rules insure Memory and Data Race safety.</a:t>
+            </a:r>
+          </a:p>
+          <a:p>
+            <a:r>
+              <a:rPr lang="en-US" dirty="0"/>
+              <a:t>Error Handling</a:t>
             </a:r>
           </a:p>
           <a:p>
             <a:pPr lvl="1"/>
             <a:r>
               <a:rPr lang="en-US" dirty="0"/>
-              <a:t>Each will focus on one part of the Rust language</a:t>
+              <a:t>Any function that can fail returns a result indicating success or failure.  Code has to handle errors in well defined ways.</a:t>
+            </a:r>
+          </a:p>
+          <a:p>
+            <a:r>
+              <a:rPr lang="en-US" dirty="0"/>
+              <a:t>Performance</a:t>
             </a:r>
           </a:p>
           <a:p>
             <a:pPr lvl="1"/>
             <a:r>
               <a:rPr lang="en-US" dirty="0"/>
-              <a:t>The series will build in bite sized chunks: easy to grasp, quick to consume.</a:t>
+              <a:t>Rust compiles to native code and does not need garbage collection, so it is as fast as C and C++.</a:t>
+            </a:r>
+          </a:p>
+          <a:p>
+            <a:r>
+              <a:rPr lang="en-US" dirty="0"/>
+              <a:t>Simple Value Behavior</a:t>
+            </a:r>
+          </a:p>
+          <a:p>
+            <a:pPr lvl="1"/>
+            <a:r>
+              <a:rPr lang="en-US" dirty="0"/>
+              <a:t>Rust supports value behavior without the need to define copy and move constructors and assignment operators.</a:t>
+            </a:r>
+          </a:p>
+          <a:p>
+            <a:r>
+              <a:rPr lang="en-US" dirty="0"/>
+              <a:t>Extraordinarily effective tool chain</a:t>
             </a:r>
           </a:p>
         </p:txBody>
@@ -4257,7 +4625,7 @@
     </p:spTree>
     <p:extLst>
       <p:ext uri="{BB962C8B-B14F-4D97-AF65-F5344CB8AC3E}">
-        <p14:creationId xmlns:p14="http://schemas.microsoft.com/office/powerpoint/2010/main" val="3026248647"/>
+        <p14:creationId xmlns:p14="http://schemas.microsoft.com/office/powerpoint/2010/main" val="3072520656"/>
       </p:ext>
     </p:extLst>
   </p:cSld>
@@ -4289,7 +4657,7 @@
           <p:cNvPr id="2" name="Title 1">
             <a:extLst>
               <a:ext uri="{FF2B5EF4-FFF2-40B4-BE49-F238E27FC236}">
-                <a16:creationId xmlns:a16="http://schemas.microsoft.com/office/drawing/2014/main" id="{1B3C2E89-4964-4F8B-A474-1925CA7751D2}"/>
+                <a16:creationId xmlns:a16="http://schemas.microsoft.com/office/drawing/2014/main" id="{D810D046-8EB3-4CA4-8E59-20F13F3F9D6F}"/>
               </a:ext>
             </a:extLst>
           </p:cNvPr>
@@ -4307,7 +4675,7 @@
           <a:p>
             <a:r>
               <a:rPr lang="en-US" dirty="0"/>
-              <a:t>Bite #1 – Rust Data</a:t>
+              <a:t>What is this?</a:t>
             </a:r>
           </a:p>
         </p:txBody>
@@ -4317,7 +4685,7 @@
           <p:cNvPr id="3" name="Content Placeholder 2">
             <a:extLst>
               <a:ext uri="{FF2B5EF4-FFF2-40B4-BE49-F238E27FC236}">
-                <a16:creationId xmlns:a16="http://schemas.microsoft.com/office/drawing/2014/main" id="{404BAA01-8102-4B2E-B20D-F2BDADD7B98B}"/>
+                <a16:creationId xmlns:a16="http://schemas.microsoft.com/office/drawing/2014/main" id="{07D17E04-A925-46F7-81D9-E1D3E526719C}"/>
               </a:ext>
             </a:extLst>
           </p:cNvPr>
@@ -4335,7 +4703,7 @@
           <a:p>
             <a:r>
               <a:rPr lang="en-US" dirty="0"/>
-              <a:t>Our goal is to understand the terms:</a:t>
+              <a:t>This is the first in a series of bites - brief presentations - about the Rust programming language:</a:t>
             </a:r>
             <a:br>
               <a:rPr lang="en-US" dirty="0"/>
@@ -4346,28 +4714,30 @@
             <a:pPr lvl="1"/>
             <a:r>
               <a:rPr lang="en-US" dirty="0"/>
-              <a:t>Bind – associate an identifier with a value</a:t>
+              <a:t>Each presentation will be brief – a few slides</a:t>
             </a:r>
           </a:p>
           <a:p>
             <a:pPr lvl="1"/>
             <a:r>
               <a:rPr lang="en-US" dirty="0"/>
-              <a:t>Copy – bind to a copy of a Copy type</a:t>
+              <a:t>Each will focus on one part of the Rust language</a:t>
             </a:r>
           </a:p>
           <a:p>
             <a:pPr lvl="1"/>
             <a:r>
               <a:rPr lang="en-US" dirty="0"/>
-              <a:t>Move – transfer ownership of a value</a:t>
-            </a:r>
-          </a:p>
-          <a:p>
-            <a:pPr lvl="1"/>
-            <a:r>
-              <a:rPr lang="en-US" dirty="0"/>
-              <a:t>Clone – make a clone of a !Copy type</a:t>
+              <a:t>The series will build in bite sized chunks: easy to grasp, quick to consume.</a:t>
+            </a:r>
+          </a:p>
+          <a:p>
+            <a:endParaRPr lang="en-US" dirty="0"/>
+          </a:p>
+          <a:p>
+            <a:r>
+              <a:rPr lang="en-US" dirty="0"/>
+              <a:t>Now, on with the show!</a:t>
             </a:r>
           </a:p>
         </p:txBody>
@@ -4375,7 +4745,7 @@
     </p:spTree>
     <p:extLst>
       <p:ext uri="{BB962C8B-B14F-4D97-AF65-F5344CB8AC3E}">
-        <p14:creationId xmlns:p14="http://schemas.microsoft.com/office/powerpoint/2010/main" val="400171579"/>
+        <p14:creationId xmlns:p14="http://schemas.microsoft.com/office/powerpoint/2010/main" val="3026248647"/>
       </p:ext>
     </p:extLst>
   </p:cSld>
@@ -4957,7 +5327,7 @@
           <p:cNvPr id="2" name="Title 1">
             <a:extLst>
               <a:ext uri="{FF2B5EF4-FFF2-40B4-BE49-F238E27FC236}">
-                <a16:creationId xmlns:a16="http://schemas.microsoft.com/office/drawing/2014/main" id="{DD93A7AE-A338-423D-B60E-2DEB9B0D4E44}"/>
+                <a16:creationId xmlns:a16="http://schemas.microsoft.com/office/drawing/2014/main" id="{2362BD19-3FB1-4A69-A9E6-67246A4AAEBD}"/>
               </a:ext>
             </a:extLst>
           </p:cNvPr>
@@ -4968,14 +5338,19 @@
             <p:ph type="title"/>
           </p:nvPr>
         </p:nvSpPr>
-        <p:spPr/>
-        <p:txBody>
-          <a:bodyPr/>
-          <a:lstStyle/>
-          <a:p>
-            <a:r>
-              <a:rPr lang="en-US" dirty="0"/>
-              <a:t>Bite #1 – Copy and Borrow</a:t>
+        <p:spPr>
+          <a:xfrm>
+            <a:off x="838200" y="365126"/>
+            <a:ext cx="10515600" cy="556202"/>
+          </a:xfrm>
+        </p:spPr>
+        <p:txBody>
+          <a:bodyPr/>
+          <a:lstStyle/>
+          <a:p>
+            <a:r>
+              <a:rPr lang="en-US" dirty="0"/>
+              <a:t>Copies, Moves</a:t>
             </a:r>
           </a:p>
         </p:txBody>
@@ -4985,7 +5360,7 @@
           <p:cNvPr id="3" name="Content Placeholder 2">
             <a:extLst>
               <a:ext uri="{FF2B5EF4-FFF2-40B4-BE49-F238E27FC236}">
-                <a16:creationId xmlns:a16="http://schemas.microsoft.com/office/drawing/2014/main" id="{36A66C96-71A1-4321-B63F-D1EC6AC84296}"/>
+                <a16:creationId xmlns:a16="http://schemas.microsoft.com/office/drawing/2014/main" id="{2F1457FB-056E-41CE-95EC-7C7FCC2ED7CB}"/>
               </a:ext>
             </a:extLst>
           </p:cNvPr>
@@ -4996,81 +5371,153 @@
             <p:ph idx="1"/>
           </p:nvPr>
         </p:nvSpPr>
-        <p:spPr/>
-        <p:txBody>
-          <a:bodyPr/>
-          <a:lstStyle/>
-          <a:p>
-            <a:r>
-              <a:rPr lang="en-US" dirty="0"/>
-              <a:t>A copy operation can occur only for values that satisfy the Copy trait.</a:t>
+        <p:spPr>
+          <a:xfrm>
+            <a:off x="838200" y="1177636"/>
+            <a:ext cx="10515600" cy="5012483"/>
+          </a:xfrm>
+        </p:spPr>
+        <p:txBody>
+          <a:bodyPr/>
+          <a:lstStyle/>
+          <a:p>
+            <a:r>
+              <a:rPr lang="en-US" dirty="0"/>
+              <a:t>Copy</a:t>
             </a:r>
           </a:p>
           <a:p>
             <a:pPr lvl="1"/>
             <a:r>
               <a:rPr lang="en-US" dirty="0"/>
-              <a:t>A trait is, like an interface, a specification of a contract.  Copy contract requires Rust code, when binding, to copy data with that trait.</a:t>
-            </a:r>
-            <a:endParaRPr lang="en-US" dirty="0">
-              <a:latin typeface="Consolas" panose="020B0609020204030204" pitchFamily="49" charset="0"/>
-            </a:endParaRPr>
+              <a:t>Data resides in one contiguous block of memory (blittable)</a:t>
+            </a:r>
           </a:p>
           <a:p>
             <a:pPr lvl="1"/>
             <a:r>
-              <a:rPr lang="en-US" dirty="0"/>
-              <a:t>To satisfy Copy, the data must be blittable.</a:t>
-            </a:r>
-          </a:p>
-          <a:p>
-            <a:pPr lvl="1"/>
-            <a:r>
-              <a:rPr lang="en-US" dirty="0"/>
-              <a:t>Copies happen implicitly when an identifier is bound to a Copy type.</a:t>
-            </a:r>
-          </a:p>
-          <a:p>
-            <a:pPr lvl="2"/>
-            <a:r>
-              <a:rPr lang="en-US" dirty="0">
+              <a:rPr lang="en-US" sz="2000" dirty="0">
+                <a:solidFill>
+                  <a:srgbClr val="C00000"/>
+                </a:solidFill>
                 <a:latin typeface="Consolas" panose="020B0609020204030204" pitchFamily="49" charset="0"/>
               </a:rPr>
-              <a:t>let i = 3;  let j = i;  // copy</a:t>
-            </a:r>
-          </a:p>
-          <a:p>
-            <a:r>
-              <a:rPr lang="en-US" dirty="0">
+              <a:t>let x = 3.5;</a:t>
+            </a:r>
+          </a:p>
+          <a:p>
+            <a:pPr lvl="1"/>
+            <a:r>
+              <a:rPr lang="en-US" sz="2000" dirty="0">
+                <a:solidFill>
+                  <a:srgbClr val="C00000"/>
+                </a:solidFill>
                 <a:latin typeface="Consolas" panose="020B0609020204030204" pitchFamily="49" charset="0"/>
               </a:rPr>
-              <a:t>Borrows - binding references to other identifiers</a:t>
+              <a:t>let y = x; </a:t>
             </a:r>
           </a:p>
           <a:p>
             <a:pPr lvl="1"/>
             <a:r>
-              <a:rPr lang="en-US" dirty="0">
+              <a:rPr lang="en-US" dirty="0"/>
+              <a:t>y gets copy of x’s value ==&gt; two separate locations holding the same value.</a:t>
+            </a:r>
+          </a:p>
+          <a:p>
+            <a:pPr lvl="1"/>
+            <a:r>
+              <a:rPr lang="en-US" b="1" dirty="0"/>
+              <a:t>Copy binding creates new owner of new data.</a:t>
+            </a:r>
+          </a:p>
+          <a:p>
+            <a:r>
+              <a:rPr lang="en-US" dirty="0"/>
+              <a:t>Move</a:t>
+            </a:r>
+          </a:p>
+          <a:p>
+            <a:pPr lvl="1"/>
+            <a:r>
+              <a:rPr lang="en-US" dirty="0"/>
+              <a:t>Data resides in two or more blocks, usually one in stack, one in heap.</a:t>
+            </a:r>
+          </a:p>
+          <a:p>
+            <a:pPr lvl="1"/>
+            <a:r>
+              <a:rPr lang="en-US" sz="2000" dirty="0">
+                <a:solidFill>
+                  <a:srgbClr val="C00000"/>
+                </a:solidFill>
                 <a:latin typeface="Consolas" panose="020B0609020204030204" pitchFamily="49" charset="0"/>
               </a:rPr>
-              <a:t>A reference is a safe pointer to the bound memory location.</a:t>
-            </a:r>
-          </a:p>
-          <a:p>
-            <a:pPr lvl="2"/>
-            <a:r>
-              <a:rPr lang="en-US" dirty="0">
+              <a:t>let s = String::from(“a string”);</a:t>
+            </a:r>
+          </a:p>
+          <a:p>
+            <a:pPr lvl="1"/>
+            <a:r>
+              <a:rPr lang="en-US" sz="2000" dirty="0">
+                <a:solidFill>
+                  <a:srgbClr val="C00000"/>
+                </a:solidFill>
                 <a:latin typeface="Consolas" panose="020B0609020204030204" pitchFamily="49" charset="0"/>
               </a:rPr>
-              <a:t>let r = &amp;i; </a:t>
-            </a:r>
+              <a:t>let t = s;</a:t>
+            </a:r>
+          </a:p>
+          <a:p>
+            <a:pPr lvl="1"/>
+            <a:r>
+              <a:rPr lang="en-US" dirty="0"/>
+              <a:t>s value moved to t, s becomes invalid</a:t>
+            </a:r>
+          </a:p>
+          <a:p>
+            <a:pPr lvl="1"/>
+            <a:r>
+              <a:rPr lang="en-US" b="1" dirty="0"/>
+              <a:t>Move binding transfers ownership</a:t>
+            </a:r>
+          </a:p>
+        </p:txBody>
+      </p:sp>
+      <p:sp>
+        <p:nvSpPr>
+          <p:cNvPr id="4" name="Slide Number Placeholder 3">
+            <a:extLst>
+              <a:ext uri="{FF2B5EF4-FFF2-40B4-BE49-F238E27FC236}">
+                <a16:creationId xmlns:a16="http://schemas.microsoft.com/office/drawing/2014/main" id="{ECE9561C-91D4-4EF6-8FF4-7DF645B25271}"/>
+              </a:ext>
+            </a:extLst>
+          </p:cNvPr>
+          <p:cNvSpPr>
+            <a:spLocks noGrp="1"/>
+          </p:cNvSpPr>
+          <p:nvPr>
+            <p:ph type="sldNum" sz="quarter" idx="12"/>
+          </p:nvPr>
+        </p:nvSpPr>
+        <p:spPr/>
+        <p:txBody>
+          <a:bodyPr/>
+          <a:lstStyle/>
+          <a:p>
+            <a:fld id="{519FA752-D1CF-498F-B0BD-05E47309CED3}" type="slidenum">
+              <a:rPr lang="en-US" smtClean="0"/>
+              <a:pPr/>
+              <a:t>8</a:t>
+            </a:fld>
+            <a:endParaRPr lang="en-US"/>
           </a:p>
         </p:txBody>
       </p:sp>
     </p:spTree>
     <p:extLst>
       <p:ext uri="{BB962C8B-B14F-4D97-AF65-F5344CB8AC3E}">
-        <p14:creationId xmlns:p14="http://schemas.microsoft.com/office/powerpoint/2010/main" val="1594759476"/>
+        <p14:creationId xmlns:p14="http://schemas.microsoft.com/office/powerpoint/2010/main" val="1059342419"/>
       </p:ext>
     </p:extLst>
   </p:cSld>
@@ -5102,7 +5549,7 @@
           <p:cNvPr id="2" name="Title 1">
             <a:extLst>
               <a:ext uri="{FF2B5EF4-FFF2-40B4-BE49-F238E27FC236}">
-                <a16:creationId xmlns:a16="http://schemas.microsoft.com/office/drawing/2014/main" id="{72D9AD15-3145-48ED-8FFA-201AF201B1C8}"/>
+                <a16:creationId xmlns:a16="http://schemas.microsoft.com/office/drawing/2014/main" id="{DD93A7AE-A338-423D-B60E-2DEB9B0D4E44}"/>
               </a:ext>
             </a:extLst>
           </p:cNvPr>
@@ -5120,300 +5567,94 @@
           <a:p>
             <a:r>
               <a:rPr lang="en-US" dirty="0"/>
-              <a:t>Bite #1 – Move and Clone</a:t>
-            </a:r>
-          </a:p>
-        </p:txBody>
-      </p:sp>
-      <p:pic>
-        <p:nvPicPr>
-          <p:cNvPr id="7" name="Picture 6" descr="A screenshot of a cell phone&#10;&#10;Description automatically generated">
-            <a:extLst>
-              <a:ext uri="{FF2B5EF4-FFF2-40B4-BE49-F238E27FC236}">
-                <a16:creationId xmlns:a16="http://schemas.microsoft.com/office/drawing/2014/main" id="{9536CF63-797E-427A-809D-F01E69547F2B}"/>
-              </a:ext>
-            </a:extLst>
-          </p:cNvPr>
-          <p:cNvPicPr>
-            <a:picLocks noChangeAspect="1"/>
-          </p:cNvPicPr>
-          <p:nvPr/>
-        </p:nvPicPr>
-        <p:blipFill>
-          <a:blip r:embed="rId2">
-            <a:extLst>
-              <a:ext uri="{28A0092B-C50C-407E-A947-70E740481C1C}">
-                <a14:useLocalDpi xmlns:a14="http://schemas.microsoft.com/office/drawing/2010/main" val="0"/>
-              </a:ext>
-            </a:extLst>
-          </a:blip>
-          <a:stretch>
-            <a:fillRect/>
-          </a:stretch>
-        </p:blipFill>
-        <p:spPr>
-          <a:xfrm>
-            <a:off x="7290751" y="3313183"/>
-            <a:ext cx="3992248" cy="2860118"/>
-          </a:xfrm>
-          <a:prstGeom prst="rect">
-            <a:avLst/>
-          </a:prstGeom>
-        </p:spPr>
-      </p:pic>
-      <p:sp>
-        <p:nvSpPr>
-          <p:cNvPr id="8" name="TextBox 7">
-            <a:extLst>
-              <a:ext uri="{FF2B5EF4-FFF2-40B4-BE49-F238E27FC236}">
-                <a16:creationId xmlns:a16="http://schemas.microsoft.com/office/drawing/2014/main" id="{6237F669-E42A-487D-8D15-3F3243539AE6}"/>
-              </a:ext>
-            </a:extLst>
-          </p:cNvPr>
-          <p:cNvSpPr txBox="1"/>
-          <p:nvPr/>
-        </p:nvSpPr>
-        <p:spPr>
-          <a:xfrm>
-            <a:off x="893460" y="1277368"/>
-            <a:ext cx="6326490" cy="4562788"/>
-          </a:xfrm>
-          <a:prstGeom prst="rect">
-            <a:avLst/>
-          </a:prstGeom>
-          <a:noFill/>
-        </p:spPr>
-        <p:txBody>
-          <a:bodyPr wrap="square" rtlCol="0">
-            <a:spAutoFit/>
-          </a:bodyPr>
-          <a:lstStyle/>
-          <a:p>
-            <a:pPr marL="342900" indent="-342900">
-              <a:buFont typeface="Arial" panose="020B0604020202020204" pitchFamily="34" charset="0"/>
-              <a:buChar char="•"/>
-            </a:pPr>
-            <a:r>
-              <a:rPr lang="en-US" sz="2400" dirty="0"/>
-              <a:t>A move transfers a Move type’s heap resources to another instance of that type</a:t>
-            </a:r>
-          </a:p>
-          <a:p>
-            <a:pPr marL="800100" lvl="1" indent="-342900">
-              <a:buFont typeface="Arial" panose="020B0604020202020204" pitchFamily="34" charset="0"/>
-              <a:buChar char="•"/>
-            </a:pPr>
-            <a:r>
-              <a:rPr lang="en-US" sz="2400" dirty="0"/>
-              <a:t>The string, s, shown in the top diagram is moved to t with the statement:</a:t>
-            </a:r>
-          </a:p>
-          <a:p>
-            <a:pPr marL="1257300" lvl="2" indent="-342900">
-              <a:buFont typeface="Arial" panose="020B0604020202020204" pitchFamily="34" charset="0"/>
-              <a:buChar char="•"/>
-            </a:pPr>
-            <a:r>
-              <a:rPr lang="en-US" sz="2000" dirty="0">
+              <a:t>Bite #1 – Copy and Borrow</a:t>
+            </a:r>
+          </a:p>
+        </p:txBody>
+      </p:sp>
+      <p:sp>
+        <p:nvSpPr>
+          <p:cNvPr id="3" name="Content Placeholder 2">
+            <a:extLst>
+              <a:ext uri="{FF2B5EF4-FFF2-40B4-BE49-F238E27FC236}">
+                <a16:creationId xmlns:a16="http://schemas.microsoft.com/office/drawing/2014/main" id="{36A66C96-71A1-4321-B63F-D1EC6AC84296}"/>
+              </a:ext>
+            </a:extLst>
+          </p:cNvPr>
+          <p:cNvSpPr>
+            <a:spLocks noGrp="1"/>
+          </p:cNvSpPr>
+          <p:nvPr>
+            <p:ph idx="1"/>
+          </p:nvPr>
+        </p:nvSpPr>
+        <p:spPr/>
+        <p:txBody>
+          <a:bodyPr/>
+          <a:lstStyle/>
+          <a:p>
+            <a:r>
+              <a:rPr lang="en-US" dirty="0"/>
+              <a:t>A copy operation can occur only for values that satisfy the Copy trait.</a:t>
+            </a:r>
+          </a:p>
+          <a:p>
+            <a:pPr lvl="1"/>
+            <a:r>
+              <a:rPr lang="en-US" dirty="0"/>
+              <a:t>A trait is, like an interface, a specification of a contract.  Copy contract requires Rust code, when binding, to copy data with that trait.</a:t>
+            </a:r>
+            <a:endParaRPr lang="en-US" dirty="0">
+              <a:latin typeface="Consolas" panose="020B0609020204030204" pitchFamily="49" charset="0"/>
+            </a:endParaRPr>
+          </a:p>
+          <a:p>
+            <a:pPr lvl="1"/>
+            <a:r>
+              <a:rPr lang="en-US" dirty="0"/>
+              <a:t>To satisfy Copy, the data must be blittable.</a:t>
+            </a:r>
+          </a:p>
+          <a:p>
+            <a:pPr lvl="1"/>
+            <a:r>
+              <a:rPr lang="en-US" dirty="0"/>
+              <a:t>Copies happen implicitly when an identifier is bound to a Copy type.</a:t>
+            </a:r>
+          </a:p>
+          <a:p>
+            <a:pPr lvl="2"/>
+            <a:r>
+              <a:rPr lang="en-US" dirty="0">
                 <a:latin typeface="Consolas" panose="020B0609020204030204" pitchFamily="49" charset="0"/>
               </a:rPr>
-              <a:t>let t = s;</a:t>
-            </a:r>
-          </a:p>
-          <a:p>
-            <a:pPr marL="800100" lvl="1" indent="-342900">
-              <a:buFont typeface="Arial" panose="020B0604020202020204" pitchFamily="34" charset="0"/>
-              <a:buChar char="•"/>
-            </a:pPr>
-            <a:r>
-              <a:rPr lang="en-US" sz="2400" dirty="0"/>
-              <a:t>Move transfers ownership of resources.</a:t>
-            </a:r>
-            <a:br>
-              <a:rPr lang="en-US" sz="2400" dirty="0"/>
-            </a:br>
-            <a:endParaRPr lang="en-US" sz="1050" dirty="0"/>
-          </a:p>
-          <a:p>
-            <a:pPr marL="342900" indent="-342900">
-              <a:buFont typeface="Arial" panose="020B0604020202020204" pitchFamily="34" charset="0"/>
-              <a:buChar char="•"/>
-            </a:pPr>
-            <a:r>
-              <a:rPr lang="en-US" sz="2400" dirty="0"/>
-              <a:t>A clone copies a Move type’s heap resources</a:t>
-            </a:r>
-            <a:br>
-              <a:rPr lang="en-US" sz="2400" dirty="0"/>
-            </a:br>
-            <a:r>
-              <a:rPr lang="en-US" sz="2400" dirty="0"/>
-              <a:t>to a new instance of that type.</a:t>
-            </a:r>
-          </a:p>
-          <a:p>
-            <a:pPr marL="800100" lvl="1" indent="-342900">
-              <a:buFont typeface="Arial" panose="020B0604020202020204" pitchFamily="34" charset="0"/>
-              <a:buChar char="•"/>
-            </a:pPr>
-            <a:r>
-              <a:rPr lang="en-US" sz="2400" dirty="0"/>
-              <a:t>The string s, shown in the bottom diagram is cloned with the statement:</a:t>
-            </a:r>
-          </a:p>
-          <a:p>
-            <a:pPr marL="1257300" lvl="2" indent="-342900">
-              <a:buFont typeface="Arial" panose="020B0604020202020204" pitchFamily="34" charset="0"/>
-              <a:buChar char="•"/>
-            </a:pPr>
-            <a:r>
-              <a:rPr lang="en-US" sz="2000" dirty="0">
+              <a:t>let i = 3;  let j = i;  // copy</a:t>
+            </a:r>
+          </a:p>
+          <a:p>
+            <a:r>
+              <a:rPr lang="en-US" dirty="0">
                 <a:latin typeface="Consolas" panose="020B0609020204030204" pitchFamily="49" charset="0"/>
               </a:rPr>
-              <a:t>let t = </a:t>
-            </a:r>
-            <a:r>
-              <a:rPr lang="en-US" sz="2000" dirty="0" err="1">
+              <a:t>Borrows - binding references to other identifiers</a:t>
+            </a:r>
+          </a:p>
+          <a:p>
+            <a:pPr lvl="1"/>
+            <a:r>
+              <a:rPr lang="en-US" dirty="0">
                 <a:latin typeface="Consolas" panose="020B0609020204030204" pitchFamily="49" charset="0"/>
               </a:rPr>
-              <a:t>s.clone</a:t>
-            </a:r>
-            <a:r>
-              <a:rPr lang="en-US" sz="2000" dirty="0">
+              <a:t>A reference is a safe pointer to the bound memory location.</a:t>
+            </a:r>
+          </a:p>
+          <a:p>
+            <a:pPr lvl="2"/>
+            <a:r>
+              <a:rPr lang="en-US" dirty="0">
                 <a:latin typeface="Consolas" panose="020B0609020204030204" pitchFamily="49" charset="0"/>
               </a:rPr>
-              <a:t>();</a:t>
-            </a:r>
-          </a:p>
-          <a:p>
-            <a:pPr marL="800100" lvl="1" indent="-342900">
-              <a:buFont typeface="Arial" panose="020B0604020202020204" pitchFamily="34" charset="0"/>
-              <a:buChar char="•"/>
-            </a:pPr>
-            <a:r>
-              <a:rPr lang="en-US" sz="2400" dirty="0"/>
-              <a:t>Clone operation copies resources to target.</a:t>
-            </a:r>
-          </a:p>
-        </p:txBody>
-      </p:sp>
-      <p:pic>
-        <p:nvPicPr>
-          <p:cNvPr id="9" name="Content Placeholder 8" descr="A screenshot of a cell phone&#10;&#10;Description automatically generated">
-            <a:extLst>
-              <a:ext uri="{FF2B5EF4-FFF2-40B4-BE49-F238E27FC236}">
-                <a16:creationId xmlns:a16="http://schemas.microsoft.com/office/drawing/2014/main" id="{B6FD3C6D-99D5-4250-AD79-D1606D05C338}"/>
-              </a:ext>
-            </a:extLst>
-          </p:cNvPr>
-          <p:cNvPicPr>
-            <a:picLocks noGrp="1" noChangeAspect="1"/>
-          </p:cNvPicPr>
-          <p:nvPr>
-            <p:ph idx="1"/>
-          </p:nvPr>
-        </p:nvPicPr>
-        <p:blipFill>
-          <a:blip r:embed="rId3">
-            <a:extLst>
-              <a:ext uri="{28A0092B-C50C-407E-A947-70E740481C1C}">
-                <a14:useLocalDpi xmlns:a14="http://schemas.microsoft.com/office/drawing/2010/main" val="0"/>
-              </a:ext>
-            </a:extLst>
-          </a:blip>
-          <a:stretch>
-            <a:fillRect/>
-          </a:stretch>
-        </p:blipFill>
-        <p:spPr>
-          <a:xfrm>
-            <a:off x="7022032" y="354179"/>
-            <a:ext cx="4260967" cy="2959004"/>
-          </a:xfrm>
-        </p:spPr>
-      </p:pic>
-      <p:sp>
-        <p:nvSpPr>
-          <p:cNvPr id="11" name="TextBox 10">
-            <a:extLst>
-              <a:ext uri="{FF2B5EF4-FFF2-40B4-BE49-F238E27FC236}">
-                <a16:creationId xmlns:a16="http://schemas.microsoft.com/office/drawing/2014/main" id="{21B45595-CCBB-477A-A699-B260A46CAB43}"/>
-              </a:ext>
-            </a:extLst>
-          </p:cNvPr>
-          <p:cNvSpPr txBox="1"/>
-          <p:nvPr/>
-        </p:nvSpPr>
-        <p:spPr>
-          <a:xfrm>
-            <a:off x="10383559" y="2197016"/>
-            <a:ext cx="970241" cy="369332"/>
-          </a:xfrm>
-          <a:prstGeom prst="rect">
-            <a:avLst/>
-          </a:prstGeom>
-          <a:solidFill>
-            <a:schemeClr val="bg1"/>
-          </a:solidFill>
-          <a:ln w="12700">
-            <a:solidFill>
-              <a:schemeClr val="tx1"/>
-            </a:solidFill>
-          </a:ln>
-        </p:spPr>
-        <p:txBody>
-          <a:bodyPr wrap="square" rtlCol="0">
-            <a:spAutoFit/>
-          </a:bodyPr>
-          <a:lstStyle/>
-          <a:p>
-            <a:pPr algn="ctr"/>
-            <a:r>
-              <a:rPr lang="en-US" dirty="0"/>
-              <a:t>Move</a:t>
-            </a:r>
-          </a:p>
-        </p:txBody>
-      </p:sp>
-      <p:sp>
-        <p:nvSpPr>
-          <p:cNvPr id="12" name="TextBox 11">
-            <a:extLst>
-              <a:ext uri="{FF2B5EF4-FFF2-40B4-BE49-F238E27FC236}">
-                <a16:creationId xmlns:a16="http://schemas.microsoft.com/office/drawing/2014/main" id="{4DE9586C-5DDB-4EBD-9AED-D4DCC5CEC8A6}"/>
-              </a:ext>
-            </a:extLst>
-          </p:cNvPr>
-          <p:cNvSpPr txBox="1"/>
-          <p:nvPr/>
-        </p:nvSpPr>
-        <p:spPr>
-          <a:xfrm>
-            <a:off x="10383559" y="5176185"/>
-            <a:ext cx="970241" cy="369332"/>
-          </a:xfrm>
-          <a:prstGeom prst="rect">
-            <a:avLst/>
-          </a:prstGeom>
-          <a:solidFill>
-            <a:schemeClr val="bg1"/>
-          </a:solidFill>
-          <a:ln w="12700">
-            <a:solidFill>
-              <a:schemeClr val="tx1"/>
-            </a:solidFill>
-          </a:ln>
-        </p:spPr>
-        <p:txBody>
-          <a:bodyPr wrap="square" rtlCol="0">
-            <a:spAutoFit/>
-          </a:bodyPr>
-          <a:lstStyle/>
-          <a:p>
-            <a:pPr algn="ctr"/>
-            <a:r>
-              <a:rPr lang="en-US" dirty="0"/>
-              <a:t>Clone</a:t>
+              <a:t>let r = &amp;i; </a:t>
             </a:r>
           </a:p>
         </p:txBody>
@@ -5421,7 +5662,7 @@
     </p:spTree>
     <p:extLst>
       <p:ext uri="{BB962C8B-B14F-4D97-AF65-F5344CB8AC3E}">
-        <p14:creationId xmlns:p14="http://schemas.microsoft.com/office/powerpoint/2010/main" val="3565984247"/>
+        <p14:creationId xmlns:p14="http://schemas.microsoft.com/office/powerpoint/2010/main" val="1594759476"/>
       </p:ext>
     </p:extLst>
   </p:cSld>
